--- a/vue.js 개용.pptx
+++ b/vue.js 개용.pptx
@@ -6,6 +6,7 @@
   </p:sldMasterIdLst>
   <p:sldIdLst>
     <p:sldId id="256" r:id="rId2"/>
+    <p:sldId id="257" r:id="rId3"/>
   </p:sldIdLst>
   <p:sldSz cx="12192000" cy="6858000"/>
   <p:notesSz cx="6858000" cy="9144000"/>
@@ -272,7 +273,7 @@
           <a:p>
             <a:fld id="{5F65650C-4765-A04B-ABF8-CB717BE9B79E}" type="datetimeFigureOut">
               <a:rPr kumimoji="1" lang="ko-Kore-KR" altLang="en-US" smtClean="0"/>
-              <a:t>2020. 12. 15.</a:t>
+              <a:t>2020. 12. 16.</a:t>
             </a:fld>
             <a:endParaRPr kumimoji="1" lang="ko-Kore-KR" altLang="en-US"/>
           </a:p>
@@ -472,7 +473,7 @@
           <a:p>
             <a:fld id="{5F65650C-4765-A04B-ABF8-CB717BE9B79E}" type="datetimeFigureOut">
               <a:rPr kumimoji="1" lang="ko-Kore-KR" altLang="en-US" smtClean="0"/>
-              <a:t>2020. 12. 15.</a:t>
+              <a:t>2020. 12. 16.</a:t>
             </a:fld>
             <a:endParaRPr kumimoji="1" lang="ko-Kore-KR" altLang="en-US"/>
           </a:p>
@@ -682,7 +683,7 @@
           <a:p>
             <a:fld id="{5F65650C-4765-A04B-ABF8-CB717BE9B79E}" type="datetimeFigureOut">
               <a:rPr kumimoji="1" lang="ko-Kore-KR" altLang="en-US" smtClean="0"/>
-              <a:t>2020. 12. 15.</a:t>
+              <a:t>2020. 12. 16.</a:t>
             </a:fld>
             <a:endParaRPr kumimoji="1" lang="ko-Kore-KR" altLang="en-US"/>
           </a:p>
@@ -882,7 +883,7 @@
           <a:p>
             <a:fld id="{5F65650C-4765-A04B-ABF8-CB717BE9B79E}" type="datetimeFigureOut">
               <a:rPr kumimoji="1" lang="ko-Kore-KR" altLang="en-US" smtClean="0"/>
-              <a:t>2020. 12. 15.</a:t>
+              <a:t>2020. 12. 16.</a:t>
             </a:fld>
             <a:endParaRPr kumimoji="1" lang="ko-Kore-KR" altLang="en-US"/>
           </a:p>
@@ -1158,7 +1159,7 @@
           <a:p>
             <a:fld id="{5F65650C-4765-A04B-ABF8-CB717BE9B79E}" type="datetimeFigureOut">
               <a:rPr kumimoji="1" lang="ko-Kore-KR" altLang="en-US" smtClean="0"/>
-              <a:t>2020. 12. 15.</a:t>
+              <a:t>2020. 12. 16.</a:t>
             </a:fld>
             <a:endParaRPr kumimoji="1" lang="ko-Kore-KR" altLang="en-US"/>
           </a:p>
@@ -1426,7 +1427,7 @@
           <a:p>
             <a:fld id="{5F65650C-4765-A04B-ABF8-CB717BE9B79E}" type="datetimeFigureOut">
               <a:rPr kumimoji="1" lang="ko-Kore-KR" altLang="en-US" smtClean="0"/>
-              <a:t>2020. 12. 15.</a:t>
+              <a:t>2020. 12. 16.</a:t>
             </a:fld>
             <a:endParaRPr kumimoji="1" lang="ko-Kore-KR" altLang="en-US"/>
           </a:p>
@@ -1841,7 +1842,7 @@
           <a:p>
             <a:fld id="{5F65650C-4765-A04B-ABF8-CB717BE9B79E}" type="datetimeFigureOut">
               <a:rPr kumimoji="1" lang="ko-Kore-KR" altLang="en-US" smtClean="0"/>
-              <a:t>2020. 12. 15.</a:t>
+              <a:t>2020. 12. 16.</a:t>
             </a:fld>
             <a:endParaRPr kumimoji="1" lang="ko-Kore-KR" altLang="en-US"/>
           </a:p>
@@ -1983,7 +1984,7 @@
           <a:p>
             <a:fld id="{5F65650C-4765-A04B-ABF8-CB717BE9B79E}" type="datetimeFigureOut">
               <a:rPr kumimoji="1" lang="ko-Kore-KR" altLang="en-US" smtClean="0"/>
-              <a:t>2020. 12. 15.</a:t>
+              <a:t>2020. 12. 16.</a:t>
             </a:fld>
             <a:endParaRPr kumimoji="1" lang="ko-Kore-KR" altLang="en-US"/>
           </a:p>
@@ -2096,7 +2097,7 @@
           <a:p>
             <a:fld id="{5F65650C-4765-A04B-ABF8-CB717BE9B79E}" type="datetimeFigureOut">
               <a:rPr kumimoji="1" lang="ko-Kore-KR" altLang="en-US" smtClean="0"/>
-              <a:t>2020. 12. 15.</a:t>
+              <a:t>2020. 12. 16.</a:t>
             </a:fld>
             <a:endParaRPr kumimoji="1" lang="ko-Kore-KR" altLang="en-US"/>
           </a:p>
@@ -2409,7 +2410,7 @@
           <a:p>
             <a:fld id="{5F65650C-4765-A04B-ABF8-CB717BE9B79E}" type="datetimeFigureOut">
               <a:rPr kumimoji="1" lang="ko-Kore-KR" altLang="en-US" smtClean="0"/>
-              <a:t>2020. 12. 15.</a:t>
+              <a:t>2020. 12. 16.</a:t>
             </a:fld>
             <a:endParaRPr kumimoji="1" lang="ko-Kore-KR" altLang="en-US"/>
           </a:p>
@@ -2698,7 +2699,7 @@
           <a:p>
             <a:fld id="{5F65650C-4765-A04B-ABF8-CB717BE9B79E}" type="datetimeFigureOut">
               <a:rPr kumimoji="1" lang="ko-Kore-KR" altLang="en-US" smtClean="0"/>
-              <a:t>2020. 12. 15.</a:t>
+              <a:t>2020. 12. 16.</a:t>
             </a:fld>
             <a:endParaRPr kumimoji="1" lang="ko-Kore-KR" altLang="en-US"/>
           </a:p>
@@ -2941,7 +2942,7 @@
           <a:p>
             <a:fld id="{5F65650C-4765-A04B-ABF8-CB717BE9B79E}" type="datetimeFigureOut">
               <a:rPr kumimoji="1" lang="ko-Kore-KR" altLang="en-US" smtClean="0"/>
-              <a:t>2020. 12. 15.</a:t>
+              <a:t>2020. 12. 16.</a:t>
             </a:fld>
             <a:endParaRPr kumimoji="1" lang="ko-Kore-KR" altLang="en-US"/>
           </a:p>
@@ -3373,7 +3374,7 @@
         <p:spPr>
           <a:xfrm>
             <a:off x="494852" y="419548"/>
-            <a:ext cx="10927992" cy="5632311"/>
+            <a:ext cx="10985700" cy="6186309"/>
           </a:xfrm>
           <a:prstGeom prst="rect">
             <a:avLst/>
@@ -3689,9 +3690,14 @@
               <a:t> 개인 패키지의 온라인 데이터베이스로 이루어져있다</a:t>
             </a:r>
             <a:r>
-              <a:rPr kumimoji="1" lang="en-US" altLang="ko-KR"/>
+              <a:rPr kumimoji="1" lang="en-US" altLang="ko-KR" dirty="0"/>
               <a:t>.</a:t>
             </a:r>
+          </a:p>
+          <a:p>
+            <a:endParaRPr kumimoji="1" lang="en-US" altLang="ko-Kore-KR"/>
+          </a:p>
+          <a:p>
             <a:endParaRPr kumimoji="1" lang="en-US" altLang="ko-Kore-KR" dirty="0"/>
           </a:p>
           <a:p>
@@ -3706,6 +3712,482 @@
     <p:extLst>
       <p:ext uri="{BB962C8B-B14F-4D97-AF65-F5344CB8AC3E}">
         <p14:creationId xmlns:p14="http://schemas.microsoft.com/office/powerpoint/2010/main" val="1199292922"/>
+      </p:ext>
+    </p:extLst>
+  </p:cSld>
+  <p:clrMapOvr>
+    <a:masterClrMapping/>
+  </p:clrMapOvr>
+</p:sld>
+</file>
+
+<file path=ppt/slides/slide2.xml><?xml version="1.0" encoding="utf-8"?>
+<p:sld xmlns:a="http://schemas.openxmlformats.org/drawingml/2006/main" xmlns:r="http://schemas.openxmlformats.org/officeDocument/2006/relationships" xmlns:p="http://schemas.openxmlformats.org/presentationml/2006/main">
+  <p:cSld>
+    <p:spTree>
+      <p:nvGrpSpPr>
+        <p:cNvPr id="1" name=""/>
+        <p:cNvGrpSpPr/>
+        <p:nvPr/>
+      </p:nvGrpSpPr>
+      <p:grpSpPr>
+        <a:xfrm>
+          <a:off x="0" y="0"/>
+          <a:ext cx="0" cy="0"/>
+          <a:chOff x="0" y="0"/>
+          <a:chExt cx="0" cy="0"/>
+        </a:xfrm>
+      </p:grpSpPr>
+      <p:sp>
+        <p:nvSpPr>
+          <p:cNvPr id="4" name="TextBox 3">
+            <a:extLst>
+              <a:ext uri="{FF2B5EF4-FFF2-40B4-BE49-F238E27FC236}">
+                <a16:creationId xmlns:a16="http://schemas.microsoft.com/office/drawing/2014/main" id="{226B1DF9-FE4E-6647-BDBD-F330BBECDAD5}"/>
+              </a:ext>
+            </a:extLst>
+          </p:cNvPr>
+          <p:cNvSpPr txBox="1"/>
+          <p:nvPr/>
+        </p:nvSpPr>
+        <p:spPr>
+          <a:xfrm>
+            <a:off x="451821" y="527125"/>
+            <a:ext cx="2317750" cy="5078313"/>
+          </a:xfrm>
+          <a:prstGeom prst="rect">
+            <a:avLst/>
+          </a:prstGeom>
+          <a:noFill/>
+        </p:spPr>
+        <p:txBody>
+          <a:bodyPr wrap="none" rtlCol="0">
+            <a:spAutoFit/>
+          </a:bodyPr>
+          <a:lstStyle/>
+          <a:p>
+            <a:r>
+              <a:rPr kumimoji="1" lang="en-US" altLang="ko-Kore-KR" dirty="0"/>
+              <a:t>V-if</a:t>
+            </a:r>
+          </a:p>
+          <a:p>
+            <a:r>
+              <a:rPr kumimoji="1" lang="en-US" altLang="ko-Kore-KR" dirty="0"/>
+              <a:t>V-for</a:t>
+            </a:r>
+          </a:p>
+          <a:p>
+            <a:endParaRPr kumimoji="1" lang="en-US" altLang="ko-Kore-KR" dirty="0"/>
+          </a:p>
+          <a:p>
+            <a:r>
+              <a:rPr kumimoji="1" lang="en-US" altLang="ko-Kore-KR" dirty="0"/>
+              <a:t>V-model</a:t>
+            </a:r>
+          </a:p>
+          <a:p>
+            <a:endParaRPr kumimoji="1" lang="en-US" altLang="ko-Kore-KR" dirty="0"/>
+          </a:p>
+          <a:p>
+            <a:r>
+              <a:rPr kumimoji="1" lang="en-US" altLang="ko-Kore-KR" dirty="0" err="1"/>
+              <a:t>V-on:chick</a:t>
+            </a:r>
+            <a:r>
+              <a:rPr kumimoji="1" lang="en-US" altLang="ko-Kore-KR" dirty="0"/>
+              <a:t>.  @click</a:t>
+            </a:r>
+          </a:p>
+          <a:p>
+            <a:endParaRPr kumimoji="1" lang="en-US" altLang="ko-Kore-KR" dirty="0"/>
+          </a:p>
+          <a:p>
+            <a:r>
+              <a:rPr kumimoji="1" lang="ko-KR" altLang="en-US" dirty="0" err="1"/>
+              <a:t>머스타치</a:t>
+            </a:r>
+            <a:endParaRPr kumimoji="1" lang="en-US" altLang="ko-KR" dirty="0"/>
+          </a:p>
+          <a:p>
+            <a:endParaRPr kumimoji="1" lang="en-US" altLang="ko-KR" dirty="0"/>
+          </a:p>
+          <a:p>
+            <a:r>
+              <a:rPr kumimoji="1" lang="en-US" altLang="ko-KR" dirty="0" err="1"/>
+              <a:t>Npm</a:t>
+            </a:r>
+            <a:r>
+              <a:rPr kumimoji="1" lang="en-US" altLang="ko-KR" dirty="0"/>
+              <a:t> install </a:t>
+            </a:r>
+            <a:r>
+              <a:rPr kumimoji="1" lang="en-US" altLang="ko-KR" dirty="0" err="1"/>
+              <a:t>vuex</a:t>
+            </a:r>
+            <a:r>
+              <a:rPr kumimoji="1" lang="en-US" altLang="ko-KR" dirty="0"/>
+              <a:t> –save</a:t>
+            </a:r>
+          </a:p>
+          <a:p>
+            <a:endParaRPr kumimoji="1" lang="en-US" altLang="ko-KR" dirty="0"/>
+          </a:p>
+          <a:p>
+            <a:r>
+              <a:rPr kumimoji="1" lang="en-US" altLang="ko-KR" dirty="0" err="1"/>
+              <a:t>Vuetify</a:t>
+            </a:r>
+            <a:endParaRPr kumimoji="1" lang="en-US" altLang="ko-KR" dirty="0"/>
+          </a:p>
+          <a:p>
+            <a:endParaRPr kumimoji="1" lang="en-US" altLang="ko-KR"/>
+          </a:p>
+          <a:p>
+            <a:endParaRPr kumimoji="1" lang="en-US" altLang="ko-KR" dirty="0"/>
+          </a:p>
+          <a:p>
+            <a:endParaRPr kumimoji="1" lang="en-US" altLang="ko-KR" dirty="0"/>
+          </a:p>
+          <a:p>
+            <a:endParaRPr kumimoji="1" lang="en-US" altLang="ko-KR" dirty="0"/>
+          </a:p>
+          <a:p>
+            <a:endParaRPr kumimoji="1" lang="en-US" altLang="ko-Kore-KR" dirty="0"/>
+          </a:p>
+          <a:p>
+            <a:endParaRPr kumimoji="1" lang="ko-Kore-KR" altLang="en-US" dirty="0"/>
+          </a:p>
+        </p:txBody>
+      </p:sp>
+      <p:sp>
+        <p:nvSpPr>
+          <p:cNvPr id="11" name="Rectangle 3">
+            <a:extLst>
+              <a:ext uri="{FF2B5EF4-FFF2-40B4-BE49-F238E27FC236}">
+                <a16:creationId xmlns:a16="http://schemas.microsoft.com/office/drawing/2014/main" id="{07973D7C-16F7-7C41-A85E-6E483063D768}"/>
+              </a:ext>
+            </a:extLst>
+          </p:cNvPr>
+          <p:cNvSpPr>
+            <a:spLocks noChangeArrowheads="1"/>
+          </p:cNvSpPr>
+          <p:nvPr/>
+        </p:nvSpPr>
+        <p:spPr bwMode="auto">
+          <a:xfrm>
+            <a:off x="731520" y="5733825"/>
+            <a:ext cx="12192000" cy="457200"/>
+          </a:xfrm>
+          <a:prstGeom prst="rect">
+            <a:avLst/>
+          </a:prstGeom>
+          <a:solidFill>
+            <a:srgbClr val="FFFFFF"/>
+          </a:solidFill>
+          <a:ln>
+            <a:noFill/>
+          </a:ln>
+          <a:effectLst/>
+          <a:extLst>
+            <a:ext uri="{91240B29-F687-4F45-9708-019B960494DF}">
+              <a14:hiddenLine xmlns:a14="http://schemas.microsoft.com/office/drawing/2010/main" w="9525">
+                <a:solidFill>
+                  <a:schemeClr val="tx1"/>
+                </a:solidFill>
+                <a:miter lim="800000"/>
+                <a:headEnd/>
+                <a:tailEnd/>
+              </a14:hiddenLine>
+            </a:ext>
+            <a:ext uri="{AF507438-7753-43E0-B8FC-AC1667EBCBE1}">
+              <a14:hiddenEffects xmlns:a14="http://schemas.microsoft.com/office/drawing/2010/main">
+                <a:effectLst>
+                  <a:outerShdw dist="35921" dir="2700000" algn="ctr" rotWithShape="0">
+                    <a:schemeClr val="bg2"/>
+                  </a:outerShdw>
+                </a:effectLst>
+              </a14:hiddenEffects>
+            </a:ext>
+          </a:extLst>
+        </p:spPr>
+        <p:txBody>
+          <a:bodyPr vert="horz" wrap="none" lIns="0" tIns="0" rIns="0" bIns="0" numCol="1" anchor="ctr" anchorCtr="0" compatLnSpc="1">
+            <a:prstTxWarp prst="textNoShape">
+              <a:avLst/>
+            </a:prstTxWarp>
+            <a:spAutoFit/>
+          </a:bodyPr>
+          <a:lstStyle>
+            <a:lvl1pPr eaLnBrk="0" fontAlgn="base" hangingPunct="0">
+              <a:spcBef>
+                <a:spcPct val="0"/>
+              </a:spcBef>
+              <a:spcAft>
+                <a:spcPct val="0"/>
+              </a:spcAft>
+              <a:defRPr>
+                <a:solidFill>
+                  <a:schemeClr val="tx1"/>
+                </a:solidFill>
+                <a:latin typeface="Arial" panose="020B0604020202020204" pitchFamily="34" charset="0"/>
+              </a:defRPr>
+            </a:lvl1pPr>
+            <a:lvl2pPr eaLnBrk="0" fontAlgn="base" hangingPunct="0">
+              <a:spcBef>
+                <a:spcPct val="0"/>
+              </a:spcBef>
+              <a:spcAft>
+                <a:spcPct val="0"/>
+              </a:spcAft>
+              <a:defRPr>
+                <a:solidFill>
+                  <a:schemeClr val="tx1"/>
+                </a:solidFill>
+                <a:latin typeface="Arial" panose="020B0604020202020204" pitchFamily="34" charset="0"/>
+              </a:defRPr>
+            </a:lvl2pPr>
+            <a:lvl3pPr eaLnBrk="0" fontAlgn="base" hangingPunct="0">
+              <a:spcBef>
+                <a:spcPct val="0"/>
+              </a:spcBef>
+              <a:spcAft>
+                <a:spcPct val="0"/>
+              </a:spcAft>
+              <a:defRPr>
+                <a:solidFill>
+                  <a:schemeClr val="tx1"/>
+                </a:solidFill>
+                <a:latin typeface="Arial" panose="020B0604020202020204" pitchFamily="34" charset="0"/>
+              </a:defRPr>
+            </a:lvl3pPr>
+            <a:lvl4pPr eaLnBrk="0" fontAlgn="base" hangingPunct="0">
+              <a:spcBef>
+                <a:spcPct val="0"/>
+              </a:spcBef>
+              <a:spcAft>
+                <a:spcPct val="0"/>
+              </a:spcAft>
+              <a:defRPr>
+                <a:solidFill>
+                  <a:schemeClr val="tx1"/>
+                </a:solidFill>
+                <a:latin typeface="Arial" panose="020B0604020202020204" pitchFamily="34" charset="0"/>
+              </a:defRPr>
+            </a:lvl4pPr>
+            <a:lvl5pPr eaLnBrk="0" fontAlgn="base" hangingPunct="0">
+              <a:spcBef>
+                <a:spcPct val="0"/>
+              </a:spcBef>
+              <a:spcAft>
+                <a:spcPct val="0"/>
+              </a:spcAft>
+              <a:defRPr>
+                <a:solidFill>
+                  <a:schemeClr val="tx1"/>
+                </a:solidFill>
+                <a:latin typeface="Arial" panose="020B0604020202020204" pitchFamily="34" charset="0"/>
+              </a:defRPr>
+            </a:lvl5pPr>
+            <a:lvl6pPr eaLnBrk="0" fontAlgn="base" hangingPunct="0">
+              <a:spcBef>
+                <a:spcPct val="0"/>
+              </a:spcBef>
+              <a:spcAft>
+                <a:spcPct val="0"/>
+              </a:spcAft>
+              <a:defRPr>
+                <a:solidFill>
+                  <a:schemeClr val="tx1"/>
+                </a:solidFill>
+                <a:latin typeface="Arial" panose="020B0604020202020204" pitchFamily="34" charset="0"/>
+              </a:defRPr>
+            </a:lvl6pPr>
+            <a:lvl7pPr eaLnBrk="0" fontAlgn="base" hangingPunct="0">
+              <a:spcBef>
+                <a:spcPct val="0"/>
+              </a:spcBef>
+              <a:spcAft>
+                <a:spcPct val="0"/>
+              </a:spcAft>
+              <a:defRPr>
+                <a:solidFill>
+                  <a:schemeClr val="tx1"/>
+                </a:solidFill>
+                <a:latin typeface="Arial" panose="020B0604020202020204" pitchFamily="34" charset="0"/>
+              </a:defRPr>
+            </a:lvl7pPr>
+            <a:lvl8pPr eaLnBrk="0" fontAlgn="base" hangingPunct="0">
+              <a:spcBef>
+                <a:spcPct val="0"/>
+              </a:spcBef>
+              <a:spcAft>
+                <a:spcPct val="0"/>
+              </a:spcAft>
+              <a:defRPr>
+                <a:solidFill>
+                  <a:schemeClr val="tx1"/>
+                </a:solidFill>
+                <a:latin typeface="Arial" panose="020B0604020202020204" pitchFamily="34" charset="0"/>
+              </a:defRPr>
+            </a:lvl8pPr>
+            <a:lvl9pPr eaLnBrk="0" fontAlgn="base" hangingPunct="0">
+              <a:spcBef>
+                <a:spcPct val="0"/>
+              </a:spcBef>
+              <a:spcAft>
+                <a:spcPct val="0"/>
+              </a:spcAft>
+              <a:defRPr>
+                <a:solidFill>
+                  <a:schemeClr val="tx1"/>
+                </a:solidFill>
+                <a:latin typeface="Arial" panose="020B0604020202020204" pitchFamily="34" charset="0"/>
+              </a:defRPr>
+            </a:lvl9pPr>
+          </a:lstStyle>
+          <a:p>
+            <a:pPr marL="0" marR="0" lvl="0" indent="0" algn="l" defTabSz="914400" rtl="0" eaLnBrk="0" fontAlgn="base" latinLnBrk="0" hangingPunct="0">
+              <a:lnSpc>
+                <a:spcPct val="100000"/>
+              </a:lnSpc>
+              <a:spcBef>
+                <a:spcPct val="0"/>
+              </a:spcBef>
+              <a:spcAft>
+                <a:spcPct val="0"/>
+              </a:spcAft>
+              <a:buClrTx/>
+              <a:buSzTx/>
+              <a:buFontTx/>
+              <a:buNone/>
+              <a:tabLst/>
+            </a:pPr>
+            <a:r>
+              <a:rPr kumimoji="0" lang="ko-Kore-KR" altLang="ko-Kore-KR" sz="2200" b="0" i="0" u="none" strike="noStrike" cap="none" normalizeH="0" baseline="0">
+                <a:ln>
+                  <a:noFill/>
+                </a:ln>
+                <a:solidFill>
+                  <a:srgbClr val="202124"/>
+                </a:solidFill>
+                <a:effectLst/>
+                <a:latin typeface="Arial" panose="020B0604020202020204" pitchFamily="34" charset="0"/>
+                <a:ea typeface="Apple SD Gothic Neo" panose="02000300000000000000" pitchFamily="2" charset="-127"/>
+              </a:rPr>
+              <a:t>Mustache</a:t>
+            </a:r>
+          </a:p>
+          <a:p>
+            <a:pPr marL="0" marR="0" lvl="0" indent="0" algn="l" defTabSz="914400" rtl="0" eaLnBrk="0" fontAlgn="base" latinLnBrk="0" hangingPunct="0">
+              <a:lnSpc>
+                <a:spcPct val="100000"/>
+              </a:lnSpc>
+              <a:spcBef>
+                <a:spcPct val="0"/>
+              </a:spcBef>
+              <a:spcAft>
+                <a:spcPct val="0"/>
+              </a:spcAft>
+              <a:buClrTx/>
+              <a:buSzTx/>
+              <a:buFontTx/>
+              <a:buNone/>
+              <a:tabLst/>
+            </a:pPr>
+            <a:r>
+              <a:rPr kumimoji="0" lang="ko-Kore-KR" altLang="ko-Kore-KR" sz="1000" b="0" i="0" u="sng" strike="noStrike" cap="none" normalizeH="0" baseline="0">
+                <a:ln>
+                  <a:noFill/>
+                </a:ln>
+                <a:solidFill>
+                  <a:srgbClr val="660099"/>
+                </a:solidFill>
+                <a:effectLst/>
+                <a:latin typeface="Arial" panose="020B0604020202020204" pitchFamily="34" charset="0"/>
+                <a:ea typeface="Apple SD Gothic Neo" panose="02000300000000000000" pitchFamily="2" charset="-127"/>
+              </a:rPr>
+              <a:t>  </a:t>
+            </a:r>
+            <a:r>
+              <a:rPr kumimoji="0" lang="ko-Kore-KR" altLang="ko-Kore-KR" sz="4100" b="0" i="0" u="sng" strike="noStrike" cap="none" normalizeH="0" baseline="0">
+                <a:ln>
+                  <a:noFill/>
+                </a:ln>
+                <a:solidFill>
+                  <a:srgbClr val="660099"/>
+                </a:solidFill>
+                <a:effectLst/>
+                <a:latin typeface="Arial" panose="020B0604020202020204" pitchFamily="34" charset="0"/>
+                <a:ea typeface="Apple SD Gothic Neo" panose="02000300000000000000" pitchFamily="2" charset="-127"/>
+              </a:rPr>
+              <a:t>              </a:t>
+            </a:r>
+            <a:endParaRPr kumimoji="0" lang="ko-Kore-KR" altLang="ko-Kore-KR" sz="1800" b="0" i="0" u="none" strike="noStrike" cap="none" normalizeH="0" baseline="0">
+              <a:ln>
+                <a:noFill/>
+              </a:ln>
+              <a:solidFill>
+                <a:schemeClr val="tx1"/>
+              </a:solidFill>
+              <a:effectLst/>
+              <a:latin typeface="Arial" panose="020B0604020202020204" pitchFamily="34" charset="0"/>
+            </a:endParaRPr>
+          </a:p>
+        </p:txBody>
+      </p:sp>
+      <p:pic>
+        <p:nvPicPr>
+          <p:cNvPr id="12" name="Picture 4">
+            <a:hlinkClick r:id="rId2"/>
+            <a:extLst>
+              <a:ext uri="{FF2B5EF4-FFF2-40B4-BE49-F238E27FC236}">
+                <a16:creationId xmlns:a16="http://schemas.microsoft.com/office/drawing/2014/main" id="{70B7B860-1C80-BD4A-B6DD-E6063CCED0AE}"/>
+              </a:ext>
+            </a:extLst>
+          </p:cNvPr>
+          <p:cNvPicPr>
+            <a:picLocks noChangeAspect="1" noChangeArrowheads="1"/>
+          </p:cNvPicPr>
+          <p:nvPr/>
+        </p:nvPicPr>
+        <p:blipFill>
+          <a:blip r:embed="rId3">
+            <a:extLst>
+              <a:ext uri="{28A0092B-C50C-407E-A947-70E740481C1C}">
+                <a14:useLocalDpi xmlns:a14="http://schemas.microsoft.com/office/drawing/2010/main" val="0"/>
+              </a:ext>
+            </a:extLst>
+          </a:blip>
+          <a:srcRect/>
+          <a:stretch>
+            <a:fillRect/>
+          </a:stretch>
+        </p:blipFill>
+        <p:spPr bwMode="auto">
+          <a:xfrm>
+            <a:off x="801370" y="5589362"/>
+            <a:ext cx="1917700" cy="660401"/>
+          </a:xfrm>
+          <a:prstGeom prst="rect">
+            <a:avLst/>
+          </a:prstGeom>
+          <a:noFill/>
+          <a:extLst>
+            <a:ext uri="{909E8E84-426E-40DD-AFC4-6F175D3DCCD1}">
+              <a14:hiddenFill xmlns:a14="http://schemas.microsoft.com/office/drawing/2010/main">
+                <a:solidFill>
+                  <a:srgbClr val="FFFFFF"/>
+                </a:solidFill>
+              </a14:hiddenFill>
+            </a:ext>
+          </a:extLst>
+        </p:spPr>
+      </p:pic>
+    </p:spTree>
+    <p:extLst>
+      <p:ext uri="{BB962C8B-B14F-4D97-AF65-F5344CB8AC3E}">
+        <p14:creationId xmlns:p14="http://schemas.microsoft.com/office/powerpoint/2010/main" val="689564780"/>
       </p:ext>
     </p:extLst>
   </p:cSld>
